--- a/heti_jelentés/Cook it yourself (W45).pptx
+++ b/heti_jelentés/Cook it yourself (W45).pptx
@@ -148,7 +148,7 @@
 <file path=ppt/charts/chart1.xml><?xml version="1.0" encoding="utf-8"?>
 <c:chartSpace xmlns:c="http://schemas.openxmlformats.org/drawingml/2006/chart" xmlns:a="http://schemas.openxmlformats.org/drawingml/2006/main" xmlns:r="http://schemas.openxmlformats.org/officeDocument/2006/relationships" xmlns:c16r2="http://schemas.microsoft.com/office/drawing/2015/06/chart">
   <c:date1904 val="0"/>
-  <c:lang val="en-US"/>
+  <c:lang val="hu-HU"/>
   <c:roundedCorners val="0"/>
   <mc:AlternateContent xmlns:mc="http://schemas.openxmlformats.org/markup-compatibility/2006">
     <mc:Choice xmlns:c14="http://schemas.microsoft.com/office/drawing/2007/8/2/chart" Requires="c14">
@@ -218,7 +218,7 @@
               <a:cs typeface="+mn-cs"/>
             </a:defRPr>
           </a:pPr>
-          <a:endParaRPr lang="en-US"/>
+          <a:endParaRPr lang="hu-HU"/>
         </a:p>
       </c:txPr>
     </c:title>
@@ -409,7 +409,7 @@
       <a:pPr>
         <a:defRPr/>
       </a:pPr>
-      <a:endParaRPr lang="en-US"/>
+      <a:endParaRPr lang="hu-HU"/>
     </a:p>
   </c:txPr>
   <c:externalData r:id="rId3">
@@ -3650,11 +3650,19 @@
         <a:p>
           <a:r>
             <a:rPr lang="hu-HU" dirty="0"/>
-            <a:t>Unity </a:t>
+            <a:t>Unity k</a:t>
           </a:r>
           <a:r>
             <a:rPr lang="en-US" dirty="0" err="1"/>
-            <a:t>Knowledgesharing</a:t>
+            <a:t>nowledge</a:t>
+          </a:r>
+          <a:r>
+            <a:rPr lang="hu-HU" dirty="0"/>
+            <a:t> </a:t>
+          </a:r>
+          <a:r>
+            <a:rPr lang="en-US" dirty="0"/>
+            <a:t>sharing</a:t>
           </a:r>
           <a:endParaRPr lang="hu-HU" dirty="0"/>
         </a:p>
@@ -4722,11 +4730,19 @@
           </a:pPr>
           <a:r>
             <a:rPr lang="hu-HU" sz="3000" kern="1200" dirty="0"/>
-            <a:t>Unity </a:t>
+            <a:t>Unity k</a:t>
           </a:r>
           <a:r>
             <a:rPr lang="en-US" sz="3000" kern="1200" dirty="0" err="1"/>
-            <a:t>Knowledgesharing</a:t>
+            <a:t>nowledge</a:t>
+          </a:r>
+          <a:r>
+            <a:rPr lang="hu-HU" sz="3000" kern="1200" dirty="0"/>
+            <a:t> </a:t>
+          </a:r>
+          <a:r>
+            <a:rPr lang="en-US" sz="3000" kern="1200" dirty="0"/>
+            <a:t>sharing</a:t>
           </a:r>
           <a:endParaRPr lang="hu-HU" sz="3000" kern="1200" dirty="0"/>
         </a:p>
@@ -16792,7 +16808,7 @@
             <p:ph idx="1"/>
             <p:extLst>
               <p:ext uri="{D42A27DB-BD31-4B8C-83A1-F6EECF244321}">
-                <p14:modId xmlns:p14="http://schemas.microsoft.com/office/powerpoint/2010/main" val="1200554815"/>
+                <p14:modId xmlns:p14="http://schemas.microsoft.com/office/powerpoint/2010/main" val="889067850"/>
               </p:ext>
             </p:extLst>
           </p:nvPr>
@@ -19412,21 +19428,21 @@
 </file>
 
 <file path=customXml/item1.xml><?xml version="1.0" encoding="utf-8"?>
+<?mso-contentType ?>
+<FormTemplates xmlns="http://schemas.microsoft.com/sharepoint/v3/contenttype/forms">
+  <Display>DocumentLibraryForm</Display>
+  <Edit>DocumentLibraryForm</Edit>
+  <New>DocumentLibraryForm</New>
+</FormTemplates>
+</file>
+
+<file path=customXml/item2.xml><?xml version="1.0" encoding="utf-8"?>
 <p:properties xmlns:p="http://schemas.microsoft.com/office/2006/metadata/properties" xmlns:xsi="http://www.w3.org/2001/XMLSchema-instance" xmlns:pc="http://schemas.microsoft.com/office/infopath/2007/PartnerControls">
   <documentManagement>
     <Status xmlns="71af3243-3dd4-4a8d-8c0d-dd76da1f02a5">Not started</Status>
     <MediaServiceKeyPoints xmlns="71af3243-3dd4-4a8d-8c0d-dd76da1f02a5" xsi:nil="true"/>
   </documentManagement>
 </p:properties>
-</file>
-
-<file path=customXml/item2.xml><?xml version="1.0" encoding="utf-8"?>
-<?mso-contentType ?>
-<FormTemplates xmlns="http://schemas.microsoft.com/sharepoint/v3/contenttype/forms">
-  <Display>DocumentLibraryForm</Display>
-  <Edit>DocumentLibraryForm</Edit>
-  <New>DocumentLibraryForm</New>
-</FormTemplates>
 </file>
 
 <file path=customXml/item3.xml><?xml version="1.0" encoding="utf-8"?>
@@ -19651,19 +19667,19 @@
 </file>
 
 <file path=customXml/itemProps1.xml><?xml version="1.0" encoding="utf-8"?>
+<ds:datastoreItem xmlns:ds="http://schemas.openxmlformats.org/officeDocument/2006/customXml" ds:itemID="{4EE1C908-B3CC-430B-8659-0948FA2BA0C9}">
+  <ds:schemaRefs>
+    <ds:schemaRef ds:uri="http://schemas.microsoft.com/sharepoint/v3/contenttype/forms"/>
+  </ds:schemaRefs>
+</ds:datastoreItem>
+</file>
+
+<file path=customXml/itemProps2.xml><?xml version="1.0" encoding="utf-8"?>
 <ds:datastoreItem xmlns:ds="http://schemas.openxmlformats.org/officeDocument/2006/customXml" ds:itemID="{6D45F22A-22AD-4AB5-B4E5-D6E61E43E45F}">
   <ds:schemaRefs>
     <ds:schemaRef ds:uri="http://schemas.microsoft.com/office/2006/metadata/properties"/>
     <ds:schemaRef ds:uri="http://schemas.microsoft.com/office/infopath/2007/PartnerControls"/>
     <ds:schemaRef ds:uri="71af3243-3dd4-4a8d-8c0d-dd76da1f02a5"/>
-  </ds:schemaRefs>
-</ds:datastoreItem>
-</file>
-
-<file path=customXml/itemProps2.xml><?xml version="1.0" encoding="utf-8"?>
-<ds:datastoreItem xmlns:ds="http://schemas.openxmlformats.org/officeDocument/2006/customXml" ds:itemID="{4EE1C908-B3CC-430B-8659-0948FA2BA0C9}">
-  <ds:schemaRefs>
-    <ds:schemaRef ds:uri="http://schemas.microsoft.com/sharepoint/v3/contenttype/forms"/>
   </ds:schemaRefs>
 </ds:datastoreItem>
 </file>
